--- a/_static/2016-lecture1-welcome.pptx
+++ b/_static/2016-lecture1-welcome.pptx
@@ -5,7 +5,7 @@
     <p:sldMasterId id="2147483747" r:id="rId1"/>
   </p:sldMasterIdLst>
   <p:notesMasterIdLst>
-    <p:notesMasterId r:id="rId31"/>
+    <p:notesMasterId r:id="rId30"/>
   </p:notesMasterIdLst>
   <p:sldIdLst>
     <p:sldId id="302" r:id="rId2"/>
@@ -30,13 +30,12 @@
     <p:sldId id="278" r:id="rId21"/>
     <p:sldId id="280" r:id="rId22"/>
     <p:sldId id="281" r:id="rId23"/>
-    <p:sldId id="284" r:id="rId24"/>
-    <p:sldId id="285" r:id="rId25"/>
-    <p:sldId id="286" r:id="rId26"/>
-    <p:sldId id="287" r:id="rId27"/>
-    <p:sldId id="297" r:id="rId28"/>
-    <p:sldId id="298" r:id="rId29"/>
-    <p:sldId id="313" r:id="rId30"/>
+    <p:sldId id="287" r:id="rId24"/>
+    <p:sldId id="319" r:id="rId25"/>
+    <p:sldId id="318" r:id="rId26"/>
+    <p:sldId id="297" r:id="rId27"/>
+    <p:sldId id="298" r:id="rId28"/>
+    <p:sldId id="313" r:id="rId29"/>
   </p:sldIdLst>
   <p:sldSz cx="9144000" cy="6858000" type="screen4x3"/>
   <p:notesSz cx="6858000" cy="9144000"/>
@@ -7533,7 +7532,23 @@
           <a:p>
             <a:r>
               <a:rPr lang="en-US" dirty="0" smtClean="0"/>
-              <a:t>There’s good places to run, to swim, to hike, to bike, and to fish.</a:t>
+              <a:t>There</a:t>
+            </a:r>
+            <a:r>
+              <a:rPr lang="en-US" dirty="0"/>
+              <a:t> </a:t>
+            </a:r>
+            <a:r>
+              <a:rPr lang="en-US" dirty="0" smtClean="0"/>
+              <a:t>are</a:t>
+            </a:r>
+            <a:r>
+              <a:rPr lang="en-US" dirty="0" smtClean="0"/>
+              <a:t> </a:t>
+            </a:r>
+            <a:r>
+              <a:rPr lang="en-US" dirty="0" smtClean="0"/>
+              <a:t>good places to run, to swim, to hike, to bike, and to fish.</a:t>
             </a:r>
           </a:p>
           <a:p>
@@ -7943,22 +7958,18 @@
             </a:pPr>
             <a:r>
               <a:rPr lang="en-US" dirty="0" smtClean="0"/>
-              <a:t>This is </a:t>
-            </a:r>
-            <a:r>
-              <a:rPr lang="en-US" smtClean="0"/>
-              <a:t>the </a:t>
-            </a:r>
-            <a:r>
-              <a:rPr lang="en-US" smtClean="0"/>
+              <a:t>This is the </a:t>
+            </a:r>
+            <a:r>
+              <a:rPr lang="en-US" dirty="0" smtClean="0"/>
               <a:t>7</a:t>
             </a:r>
             <a:r>
-              <a:rPr lang="en-US" baseline="30000" smtClean="0"/>
+              <a:rPr lang="en-US" baseline="30000" dirty="0" smtClean="0"/>
               <a:t>th</a:t>
             </a:r>
             <a:r>
-              <a:rPr lang="en-US" smtClean="0"/>
+              <a:rPr lang="en-US" dirty="0" smtClean="0"/>
               <a:t> </a:t>
             </a:r>
             <a:r>
@@ -8270,13 +8281,17 @@
         <p:spPr/>
         <p:txBody>
           <a:bodyPr>
-            <a:normAutofit fontScale="90000"/>
+            <a:normAutofit/>
           </a:bodyPr>
           <a:lstStyle/>
           <a:p>
             <a:r>
               <a:rPr lang="en-US" dirty="0" smtClean="0"/>
-              <a:t>This kind of issue comes up a lot.</a:t>
+              <a:t>Heuristics come </a:t>
+            </a:r>
+            <a:r>
+              <a:rPr lang="en-US" dirty="0" smtClean="0"/>
+              <a:t>up a lot.</a:t>
             </a:r>
             <a:endParaRPr lang="en-US" dirty="0"/>
           </a:p>
@@ -8376,110 +8391,67 @@
         </p:nvSpPr>
         <p:spPr/>
         <p:txBody>
+          <a:bodyPr/>
+          <a:lstStyle/>
+          <a:p>
+            <a:r>
+              <a:rPr lang="en-US" dirty="0" smtClean="0"/>
+              <a:t>Experimental Bioinformatics</a:t>
+            </a:r>
+            <a:endParaRPr lang="en-US" dirty="0"/>
+          </a:p>
+        </p:txBody>
+      </p:sp>
+      <p:sp>
+        <p:nvSpPr>
+          <p:cNvPr id="3" name="Content Placeholder 2"/>
+          <p:cNvSpPr>
+            <a:spLocks noGrp="1"/>
+          </p:cNvSpPr>
+          <p:nvPr>
+            <p:ph sz="quarter" idx="13"/>
+          </p:nvPr>
+        </p:nvSpPr>
+        <p:spPr/>
+        <p:txBody>
           <a:bodyPr>
-            <a:normAutofit fontScale="90000"/>
+            <a:normAutofit/>
           </a:bodyPr>
           <a:lstStyle/>
           <a:p>
             <a:r>
               <a:rPr lang="en-US" dirty="0" smtClean="0"/>
-              <a:t>What are the limits of data + compute?</a:t>
-            </a:r>
+              <a:t>What is the best mapper/assembler/read trimmer/</a:t>
+            </a:r>
+            <a:r>
+              <a:rPr lang="mr-IN" dirty="0" smtClean="0"/>
+              <a:t>…</a:t>
+            </a:r>
+            <a:endParaRPr lang="en-US" dirty="0" smtClean="0"/>
+          </a:p>
+          <a:p>
+            <a:r>
+              <a:rPr lang="en-US" dirty="0" smtClean="0"/>
+              <a:t>What parameters should I use</a:t>
+            </a:r>
+          </a:p>
+          <a:p>
+            <a:r>
+              <a:rPr lang="en-US" dirty="0" smtClean="0"/>
+              <a:t>How much data do I need</a:t>
+            </a:r>
+          </a:p>
+          <a:p>
+            <a:r>
+              <a:rPr lang="en-US" dirty="0" smtClean="0"/>
+              <a:t>Bigger computer  == Faster results?</a:t>
+            </a:r>
+            <a:endParaRPr lang="en-US" dirty="0" smtClean="0"/>
+          </a:p>
+          <a:p>
             <a:endParaRPr lang="en-US" dirty="0"/>
           </a:p>
-        </p:txBody>
-      </p:sp>
-      <p:pic>
-        <p:nvPicPr>
-          <p:cNvPr id="4" name="Content Placeholder 3"/>
-          <p:cNvPicPr>
-            <a:picLocks noGrp="1" noChangeAspect="1"/>
-          </p:cNvPicPr>
-          <p:nvPr>
-            <p:ph sz="quarter" idx="13"/>
-          </p:nvPr>
-        </p:nvPicPr>
-        <p:blipFill>
-          <a:blip r:embed="rId2"/>
-          <a:stretch>
-            <a:fillRect/>
-          </a:stretch>
-        </p:blipFill>
-        <p:spPr>
-          <a:xfrm>
-            <a:off x="514350" y="2478370"/>
-            <a:ext cx="7796213" cy="2482284"/>
-          </a:xfrm>
-        </p:spPr>
-      </p:pic>
-      <p:sp>
-        <p:nvSpPr>
-          <p:cNvPr id="5" name="TextBox 4"/>
-          <p:cNvSpPr txBox="1"/>
-          <p:nvPr/>
-        </p:nvSpPr>
-        <p:spPr>
-          <a:xfrm>
-            <a:off x="1941571" y="1764269"/>
-            <a:ext cx="5548927" cy="369332"/>
-          </a:xfrm>
-          <a:prstGeom prst="rect">
-            <a:avLst/>
-          </a:prstGeom>
-          <a:noFill/>
-        </p:spPr>
-        <p:txBody>
-          <a:bodyPr wrap="none" rtlCol="0">
-            <a:spAutoFit/>
-          </a:bodyPr>
-          <a:lstStyle/>
-          <a:p>
-            <a:r>
-              <a:rPr lang="en-US" dirty="0" smtClean="0"/>
-              <a:t>Mappers will ignore some fraction of reads due to errors.</a:t>
-            </a:r>
-            <a:endParaRPr lang="en-US" dirty="0"/>
-          </a:p>
-        </p:txBody>
-      </p:sp>
-      <p:sp>
-        <p:nvSpPr>
-          <p:cNvPr id="6" name="TextBox 5"/>
-          <p:cNvSpPr txBox="1"/>
-          <p:nvPr/>
-        </p:nvSpPr>
-        <p:spPr>
-          <a:xfrm>
-            <a:off x="6656817" y="6297403"/>
-            <a:ext cx="2189797" cy="369332"/>
-          </a:xfrm>
-          <a:prstGeom prst="rect">
-            <a:avLst/>
-          </a:prstGeom>
-          <a:noFill/>
-        </p:spPr>
-        <p:txBody>
-          <a:bodyPr wrap="none" rtlCol="0">
-            <a:spAutoFit/>
-          </a:bodyPr>
-          <a:lstStyle/>
-          <a:p>
-            <a:r>
-              <a:rPr lang="en-US" dirty="0" err="1" smtClean="0"/>
-              <a:t>Pyrkosz</a:t>
-            </a:r>
-            <a:r>
-              <a:rPr lang="en-US" dirty="0" smtClean="0"/>
-              <a:t> et al., </a:t>
-            </a:r>
-            <a:r>
-              <a:rPr lang="en-US" dirty="0" err="1" smtClean="0"/>
-              <a:t>unpub</a:t>
-            </a:r>
-            <a:r>
-              <a:rPr lang="en-US" dirty="0" smtClean="0"/>
-              <a:t>.</a:t>
-            </a:r>
+          <a:p>
             <a:endParaRPr lang="en-US" dirty="0"/>
           </a:p>
         </p:txBody>
@@ -8487,7 +8459,7 @@
     </p:spTree>
     <p:extLst>
       <p:ext uri="{BB962C8B-B14F-4D97-AF65-F5344CB8AC3E}">
-        <p14:creationId xmlns:p14="http://schemas.microsoft.com/office/powerpoint/2010/main" val="3401985785"/>
+        <p14:creationId xmlns:p14="http://schemas.microsoft.com/office/powerpoint/2010/main" val="2951917003"/>
       </p:ext>
     </p:extLst>
   </p:cSld>
@@ -8526,110 +8498,53 @@
         </p:nvSpPr>
         <p:spPr/>
         <p:txBody>
+          <a:bodyPr/>
+          <a:lstStyle/>
+          <a:p>
+            <a:r>
+              <a:rPr lang="en-US" dirty="0" smtClean="0"/>
+              <a:t>I’ll literally die if I don</a:t>
+            </a:r>
+            <a:r>
+              <a:rPr lang="mr-IN" dirty="0" smtClean="0"/>
+              <a:t>’</a:t>
+            </a:r>
+            <a:r>
+              <a:rPr lang="en-US" dirty="0" smtClean="0"/>
+              <a:t>t learn this within 2 weeks</a:t>
+            </a:r>
+            <a:r>
+              <a:rPr lang="mr-IN" dirty="0" smtClean="0"/>
+              <a:t>…</a:t>
+            </a:r>
+            <a:r>
+              <a:rPr lang="en-US" dirty="0" smtClean="0"/>
+              <a:t> </a:t>
+            </a:r>
+            <a:endParaRPr lang="en-US" dirty="0"/>
+          </a:p>
+        </p:txBody>
+      </p:sp>
+      <p:sp>
+        <p:nvSpPr>
+          <p:cNvPr id="3" name="Content Placeholder 2"/>
+          <p:cNvSpPr>
+            <a:spLocks noGrp="1"/>
+          </p:cNvSpPr>
+          <p:nvPr>
+            <p:ph sz="quarter" idx="13"/>
+          </p:nvPr>
+        </p:nvSpPr>
+        <p:spPr/>
+        <p:txBody>
           <a:bodyPr>
-            <a:normAutofit fontScale="90000"/>
+            <a:normAutofit/>
           </a:bodyPr>
           <a:lstStyle/>
           <a:p>
-            <a:r>
-              <a:rPr lang="en-US" dirty="0" smtClean="0"/>
-              <a:t>Does choice of mapper matter?</a:t>
-            </a:r>
             <a:endParaRPr lang="en-US" dirty="0"/>
           </a:p>
-        </p:txBody>
-      </p:sp>
-      <p:pic>
-        <p:nvPicPr>
-          <p:cNvPr id="4" name="Content Placeholder 3"/>
-          <p:cNvPicPr>
-            <a:picLocks noGrp="1" noChangeAspect="1"/>
-          </p:cNvPicPr>
-          <p:nvPr>
-            <p:ph sz="quarter" idx="13"/>
-          </p:nvPr>
-        </p:nvPicPr>
-        <p:blipFill>
-          <a:blip r:embed="rId2"/>
-          <a:stretch>
-            <a:fillRect/>
-          </a:stretch>
-        </p:blipFill>
-        <p:spPr>
-          <a:xfrm>
-            <a:off x="514350" y="2068292"/>
-            <a:ext cx="7796213" cy="3302440"/>
-          </a:xfrm>
-        </p:spPr>
-      </p:pic>
-      <p:sp>
-        <p:nvSpPr>
-          <p:cNvPr id="5" name="TextBox 4"/>
-          <p:cNvSpPr txBox="1"/>
-          <p:nvPr/>
-        </p:nvSpPr>
-        <p:spPr>
-          <a:xfrm>
-            <a:off x="3065639" y="5781678"/>
-            <a:ext cx="3901090" cy="369332"/>
-          </a:xfrm>
-          <a:prstGeom prst="rect">
-            <a:avLst/>
-          </a:prstGeom>
-          <a:noFill/>
-        </p:spPr>
-        <p:txBody>
-          <a:bodyPr wrap="none" rtlCol="0">
-            <a:spAutoFit/>
-          </a:bodyPr>
-          <a:lstStyle/>
-          <a:p>
-            <a:r>
-              <a:rPr lang="en-US" dirty="0" smtClean="0"/>
-              <a:t>Reference completeness matters more!</a:t>
-            </a:r>
-            <a:endParaRPr lang="en-US" dirty="0"/>
-          </a:p>
-        </p:txBody>
-      </p:sp>
-      <p:sp>
-        <p:nvSpPr>
-          <p:cNvPr id="6" name="TextBox 5"/>
-          <p:cNvSpPr txBox="1"/>
-          <p:nvPr/>
-        </p:nvSpPr>
-        <p:spPr>
-          <a:xfrm>
-            <a:off x="6656817" y="6297403"/>
-            <a:ext cx="2189797" cy="369332"/>
-          </a:xfrm>
-          <a:prstGeom prst="rect">
-            <a:avLst/>
-          </a:prstGeom>
-          <a:noFill/>
-        </p:spPr>
-        <p:txBody>
-          <a:bodyPr wrap="none" rtlCol="0">
-            <a:spAutoFit/>
-          </a:bodyPr>
-          <a:lstStyle/>
-          <a:p>
-            <a:r>
-              <a:rPr lang="en-US" dirty="0" err="1" smtClean="0"/>
-              <a:t>Pyrkosz</a:t>
-            </a:r>
-            <a:r>
-              <a:rPr lang="en-US" dirty="0" smtClean="0"/>
-              <a:t> et al., </a:t>
-            </a:r>
-            <a:r>
-              <a:rPr lang="en-US" dirty="0" err="1" smtClean="0"/>
-              <a:t>unpub</a:t>
-            </a:r>
-            <a:r>
-              <a:rPr lang="en-US" dirty="0" smtClean="0"/>
-              <a:t>.</a:t>
-            </a:r>
+          <a:p>
             <a:endParaRPr lang="en-US" dirty="0"/>
           </a:p>
         </p:txBody>
@@ -8637,7 +8552,7 @@
     </p:spTree>
     <p:extLst>
       <p:ext uri="{BB962C8B-B14F-4D97-AF65-F5344CB8AC3E}">
-        <p14:creationId xmlns:p14="http://schemas.microsoft.com/office/powerpoint/2010/main" val="1629505285"/>
+        <p14:creationId xmlns:p14="http://schemas.microsoft.com/office/powerpoint/2010/main" val="1378776100"/>
       </p:ext>
     </p:extLst>
   </p:cSld>
@@ -8676,110 +8591,57 @@
         </p:nvSpPr>
         <p:spPr/>
         <p:txBody>
+          <a:bodyPr/>
+          <a:lstStyle/>
+          <a:p>
+            <a:r>
+              <a:rPr lang="en-US" dirty="0" smtClean="0"/>
+              <a:t>Concluding thoughts</a:t>
+            </a:r>
+            <a:endParaRPr lang="en-US" dirty="0"/>
+          </a:p>
+        </p:txBody>
+      </p:sp>
+      <p:sp>
+        <p:nvSpPr>
+          <p:cNvPr id="3" name="Content Placeholder 2"/>
+          <p:cNvSpPr>
+            <a:spLocks noGrp="1"/>
+          </p:cNvSpPr>
+          <p:nvPr>
+            <p:ph sz="quarter" idx="13"/>
+          </p:nvPr>
+        </p:nvSpPr>
+        <p:spPr/>
+        <p:txBody>
           <a:bodyPr>
-            <a:normAutofit fontScale="90000"/>
+            <a:normAutofit/>
           </a:bodyPr>
           <a:lstStyle/>
           <a:p>
             <a:r>
               <a:rPr lang="en-US" dirty="0" smtClean="0"/>
-              <a:t>Real problem? Our data can’t uniquely specify solution!</a:t>
+              <a:t>There’s what you can do today, computationally, with existing programs.  This is often limited by our time, experience, etc.</a:t>
             </a:r>
             <a:endParaRPr lang="en-US" dirty="0"/>
           </a:p>
-        </p:txBody>
-      </p:sp>
-      <p:pic>
-        <p:nvPicPr>
-          <p:cNvPr id="4" name="Content Placeholder 3"/>
-          <p:cNvPicPr>
-            <a:picLocks noGrp="1" noChangeAspect="1"/>
-          </p:cNvPicPr>
-          <p:nvPr>
-            <p:ph sz="quarter" idx="13"/>
-          </p:nvPr>
-        </p:nvPicPr>
-        <p:blipFill>
-          <a:blip r:embed="rId2"/>
-          <a:stretch>
-            <a:fillRect/>
-          </a:stretch>
-        </p:blipFill>
-        <p:spPr>
-          <a:xfrm>
-            <a:off x="1701266" y="2063750"/>
-            <a:ext cx="5422380" cy="3311525"/>
-          </a:xfrm>
-        </p:spPr>
-      </p:pic>
-      <p:sp>
-        <p:nvSpPr>
-          <p:cNvPr id="5" name="TextBox 4"/>
-          <p:cNvSpPr txBox="1"/>
-          <p:nvPr/>
-        </p:nvSpPr>
-        <p:spPr>
-          <a:xfrm>
-            <a:off x="992683" y="1654247"/>
-            <a:ext cx="7081235" cy="369332"/>
-          </a:xfrm>
-          <a:prstGeom prst="rect">
-            <a:avLst/>
-          </a:prstGeom>
-          <a:noFill/>
-        </p:spPr>
-        <p:txBody>
-          <a:bodyPr wrap="none" rtlCol="0">
-            <a:spAutoFit/>
-          </a:bodyPr>
-          <a:lstStyle/>
-          <a:p>
-            <a:r>
-              <a:rPr lang="en-US" dirty="0" smtClean="0"/>
-              <a:t>Here, there is no direct way to know if last exon is connected to first exon.</a:t>
+          <a:p>
+            <a:r>
+              <a:rPr lang="en-US" dirty="0" smtClean="0"/>
+              <a:t>There’s what you could, in theory, do with the data you had.  This is the upper limit on your accuracy.</a:t>
             </a:r>
             <a:endParaRPr lang="en-US" dirty="0"/>
           </a:p>
-        </p:txBody>
-      </p:sp>
-      <p:sp>
-        <p:nvSpPr>
-          <p:cNvPr id="6" name="TextBox 5"/>
-          <p:cNvSpPr txBox="1"/>
-          <p:nvPr/>
-        </p:nvSpPr>
-        <p:spPr>
-          <a:xfrm>
-            <a:off x="6291860" y="6312777"/>
-            <a:ext cx="2189797" cy="369332"/>
-          </a:xfrm>
-          <a:prstGeom prst="rect">
-            <a:avLst/>
-          </a:prstGeom>
-          <a:noFill/>
-        </p:spPr>
-        <p:txBody>
-          <a:bodyPr wrap="none" rtlCol="0">
-            <a:spAutoFit/>
-          </a:bodyPr>
-          <a:lstStyle/>
-          <a:p>
-            <a:r>
-              <a:rPr lang="en-US" dirty="0" err="1" smtClean="0"/>
-              <a:t>Pyrkosz</a:t>
-            </a:r>
-            <a:r>
-              <a:rPr lang="en-US" dirty="0" smtClean="0"/>
-              <a:t> et al., </a:t>
-            </a:r>
-            <a:r>
-              <a:rPr lang="en-US" dirty="0" err="1" smtClean="0"/>
-              <a:t>unpub</a:t>
-            </a:r>
-            <a:r>
-              <a:rPr lang="en-US" dirty="0" smtClean="0"/>
-              <a:t>.</a:t>
-            </a:r>
+          <a:p>
+            <a:r>
+              <a:rPr lang="en-US" dirty="0" smtClean="0"/>
+              <a:t>Figuring out the difference is one of the main reasons you’re here :)</a:t>
+            </a:r>
+          </a:p>
+          <a:p>
+            <a:endParaRPr lang="en-US" dirty="0"/>
+          </a:p>
+          <a:p>
             <a:endParaRPr lang="en-US" dirty="0"/>
           </a:p>
         </p:txBody>
@@ -8787,7 +8649,7 @@
     </p:spTree>
     <p:extLst>
       <p:ext uri="{BB962C8B-B14F-4D97-AF65-F5344CB8AC3E}">
-        <p14:creationId xmlns:p14="http://schemas.microsoft.com/office/powerpoint/2010/main" val="2509994628"/>
+        <p14:creationId xmlns:p14="http://schemas.microsoft.com/office/powerpoint/2010/main" val="1746808868"/>
       </p:ext>
     </p:extLst>
   </p:cSld>
@@ -8830,8 +8692,8 @@
           <a:lstStyle/>
           <a:p>
             <a:r>
-              <a:rPr lang="en-US" dirty="0" smtClean="0"/>
-              <a:t>Concluding thoughts</a:t>
+              <a:rPr lang="en-US" smtClean="0"/>
+              <a:t>Process and materials!</a:t>
             </a:r>
             <a:endParaRPr lang="en-US" dirty="0"/>
           </a:p>
@@ -8849,32 +8711,30 @@
         </p:nvSpPr>
         <p:spPr/>
         <p:txBody>
-          <a:bodyPr>
-            <a:normAutofit/>
-          </a:bodyPr>
-          <a:lstStyle/>
-          <a:p>
-            <a:r>
-              <a:rPr lang="en-US" dirty="0" smtClean="0"/>
-              <a:t>There’s what you can do today, computationally, with existing programs.  This is often limited by our time, experience, etc.</a:t>
-            </a:r>
-            <a:endParaRPr lang="en-US" dirty="0"/>
-          </a:p>
-          <a:p>
-            <a:r>
-              <a:rPr lang="en-US" dirty="0" smtClean="0"/>
-              <a:t>There’s what you could, in theory, do with the data you had.  This is the upper limit on your accuracy.</a:t>
-            </a:r>
-            <a:endParaRPr lang="en-US" dirty="0"/>
-          </a:p>
-          <a:p>
-            <a:r>
-              <a:rPr lang="en-US" dirty="0" smtClean="0"/>
-              <a:t>Figuring out the difference is one of the main reasons you’re here :)</a:t>
-            </a:r>
-          </a:p>
-          <a:p>
-            <a:endParaRPr lang="en-US" dirty="0"/>
+          <a:bodyPr/>
+          <a:lstStyle/>
+          <a:p>
+            <a:r>
+              <a:rPr lang="en-US" dirty="0" smtClean="0"/>
+              <a:t>Slack</a:t>
+            </a:r>
+          </a:p>
+          <a:p>
+            <a:r>
+              <a:rPr lang="en-US" dirty="0" smtClean="0"/>
+              <a:t>Twitter: #ngs2016; I’m @</a:t>
+            </a:r>
+            <a:r>
+              <a:rPr lang="en-US" dirty="0" err="1" smtClean="0"/>
+              <a:t>macmanes</a:t>
+            </a:r>
+            <a:endParaRPr lang="en-US" dirty="0" smtClean="0"/>
+          </a:p>
+          <a:p>
+            <a:r>
+              <a:rPr lang="en-US" dirty="0" smtClean="0"/>
+              <a:t>Facebook group??</a:t>
+            </a:r>
           </a:p>
           <a:p>
             <a:endParaRPr lang="en-US" dirty="0"/>
@@ -8884,7 +8744,7 @@
     </p:spTree>
     <p:extLst>
       <p:ext uri="{BB962C8B-B14F-4D97-AF65-F5344CB8AC3E}">
-        <p14:creationId xmlns:p14="http://schemas.microsoft.com/office/powerpoint/2010/main" val="2951917003"/>
+        <p14:creationId xmlns:p14="http://schemas.microsoft.com/office/powerpoint/2010/main" val="2708484105"/>
       </p:ext>
     </p:extLst>
   </p:cSld>
@@ -8927,101 +8787,6 @@
           <a:lstStyle/>
           <a:p>
             <a:r>
-              <a:rPr lang="en-US" smtClean="0"/>
-              <a:t>Process and materials!</a:t>
-            </a:r>
-            <a:endParaRPr lang="en-US" dirty="0"/>
-          </a:p>
-        </p:txBody>
-      </p:sp>
-      <p:sp>
-        <p:nvSpPr>
-          <p:cNvPr id="3" name="Content Placeholder 2"/>
-          <p:cNvSpPr>
-            <a:spLocks noGrp="1"/>
-          </p:cNvSpPr>
-          <p:nvPr>
-            <p:ph sz="quarter" idx="13"/>
-          </p:nvPr>
-        </p:nvSpPr>
-        <p:spPr/>
-        <p:txBody>
-          <a:bodyPr/>
-          <a:lstStyle/>
-          <a:p>
-            <a:r>
-              <a:rPr lang="en-US" dirty="0" smtClean="0"/>
-              <a:t>Slack</a:t>
-            </a:r>
-          </a:p>
-          <a:p>
-            <a:r>
-              <a:rPr lang="en-US" dirty="0" smtClean="0"/>
-              <a:t>Twitter: #ngs2016; I’m @</a:t>
-            </a:r>
-            <a:r>
-              <a:rPr lang="en-US" dirty="0" err="1" smtClean="0"/>
-              <a:t>macmanes</a:t>
-            </a:r>
-            <a:endParaRPr lang="en-US" dirty="0" smtClean="0"/>
-          </a:p>
-          <a:p>
-            <a:r>
-              <a:rPr lang="en-US" dirty="0" smtClean="0"/>
-              <a:t>Facebook group??</a:t>
-            </a:r>
-          </a:p>
-          <a:p>
-            <a:endParaRPr lang="en-US" dirty="0"/>
-          </a:p>
-        </p:txBody>
-      </p:sp>
-    </p:spTree>
-    <p:extLst>
-      <p:ext uri="{BB962C8B-B14F-4D97-AF65-F5344CB8AC3E}">
-        <p14:creationId xmlns:p14="http://schemas.microsoft.com/office/powerpoint/2010/main" val="2708484105"/>
-      </p:ext>
-    </p:extLst>
-  </p:cSld>
-  <p:clrMapOvr>
-    <a:masterClrMapping/>
-  </p:clrMapOvr>
-</p:sld>
-</file>
-
-<file path=ppt/slides/slide28.xml><?xml version="1.0" encoding="utf-8"?>
-<p:sld xmlns:a="http://schemas.openxmlformats.org/drawingml/2006/main" xmlns:r="http://schemas.openxmlformats.org/officeDocument/2006/relationships" xmlns:p="http://schemas.openxmlformats.org/presentationml/2006/main">
-  <p:cSld>
-    <p:spTree>
-      <p:nvGrpSpPr>
-        <p:cNvPr id="1" name=""/>
-        <p:cNvGrpSpPr/>
-        <p:nvPr/>
-      </p:nvGrpSpPr>
-      <p:grpSpPr>
-        <a:xfrm>
-          <a:off x="0" y="0"/>
-          <a:ext cx="0" cy="0"/>
-          <a:chOff x="0" y="0"/>
-          <a:chExt cx="0" cy="0"/>
-        </a:xfrm>
-      </p:grpSpPr>
-      <p:sp>
-        <p:nvSpPr>
-          <p:cNvPr id="2" name="Title 1"/>
-          <p:cNvSpPr>
-            <a:spLocks noGrp="1"/>
-          </p:cNvSpPr>
-          <p:nvPr>
-            <p:ph type="title"/>
-          </p:nvPr>
-        </p:nvSpPr>
-        <p:spPr/>
-        <p:txBody>
-          <a:bodyPr/>
-          <a:lstStyle/>
-          <a:p>
-            <a:r>
               <a:rPr lang="en-US" dirty="0" smtClean="0"/>
               <a:t>Use the </a:t>
             </a:r>
@@ -9069,7 +8834,7 @@
 </p:sld>
 </file>
 
-<file path=ppt/slides/slide29.xml><?xml version="1.0" encoding="utf-8"?>
+<file path=ppt/slides/slide28.xml><?xml version="1.0" encoding="utf-8"?>
 <p:sld xmlns:a="http://schemas.openxmlformats.org/drawingml/2006/main" xmlns:r="http://schemas.openxmlformats.org/officeDocument/2006/relationships" xmlns:p="http://schemas.openxmlformats.org/presentationml/2006/main">
   <p:cSld>
     <p:spTree>
@@ -9533,8 +9298,8 @@
         </p:blipFill>
         <p:spPr>
           <a:xfrm>
-            <a:off x="514351" y="2408157"/>
-            <a:ext cx="3495555" cy="2621666"/>
+            <a:off x="514351" y="2341695"/>
+            <a:ext cx="3853346" cy="2890009"/>
           </a:xfrm>
           <a:prstGeom prst="rect">
             <a:avLst/>
